--- a/chapters/4/chap4.pptx
+++ b/chapters/4/chap4.pptx
@@ -9540,15 +9540,7 @@
           <a:lstStyle/>
           <a:p>
             <a:r>
-              <a:rPr kumimoji="1" lang="en-US" altLang="zh-CN">
-                <a:latin typeface="Kai" charset="0"/>
-                <a:ea typeface="Kai" charset="0"/>
-                <a:cs typeface="Kai" charset="0"/>
-              </a:rPr>
-              <a:t>Android</a:t>
-            </a:r>
-            <a:r>
-              <a:rPr kumimoji="1" lang="zh-CN" altLang="en-US">
+              <a:rPr kumimoji="1" lang="zh-CN" altLang="en-US" smtClean="0">
                 <a:latin typeface="Kai" charset="0"/>
                 <a:ea typeface="Kai" charset="0"/>
                 <a:cs typeface="Kai" charset="0"/>
@@ -9556,14 +9548,14 @@
               <a:t>界面开发</a:t>
             </a:r>
             <a:r>
-              <a:rPr kumimoji="1" lang="en-US" altLang="zh-CN">
+              <a:rPr kumimoji="1" lang="en-US" altLang="zh-CN" dirty="0" smtClean="0">
                 <a:latin typeface="Kai" charset="0"/>
                 <a:ea typeface="Kai" charset="0"/>
                 <a:cs typeface="Kai" charset="0"/>
               </a:rPr>
               <a:t> </a:t>
             </a:r>
-            <a:endParaRPr kumimoji="1" lang="zh-CN" altLang="en-US">
+            <a:endParaRPr kumimoji="1" lang="zh-CN" altLang="en-US" dirty="0">
               <a:latin typeface="Kai" charset="0"/>
               <a:ea typeface="Kai" charset="0"/>
               <a:cs typeface="Kai" charset="0"/>
@@ -10492,15 +10484,7 @@
                 <a:ea typeface="Kai" charset="0"/>
                 <a:cs typeface="Kai" charset="0"/>
               </a:rPr>
-              <a:t> (</a:t>
-            </a:r>
-            <a:r>
-              <a:rPr lang="en-US" altLang="zh-CN" dirty="0" smtClean="0">
-                <a:latin typeface="Kai" charset="0"/>
-                <a:ea typeface="Kai" charset="0"/>
-                <a:cs typeface="Kai" charset="0"/>
-              </a:rPr>
-              <a:t>deprecated</a:t>
+              <a:t> (deprecated</a:t>
             </a:r>
             <a:r>
               <a:rPr lang="zh-CN" altLang="en-US" dirty="0" smtClean="0">
